--- a/docs/FitForm_Presentation_CoverV2.pptx
+++ b/docs/FitForm_Presentation_CoverV2.pptx
@@ -15,8 +15,8 @@
     <p:sldId id="257" r:id="rId6"/>
     <p:sldId id="292" r:id="rId7"/>
     <p:sldId id="298" r:id="rId8"/>
-    <p:sldId id="299" r:id="rId9"/>
-    <p:sldId id="304" r:id="rId10"/>
+    <p:sldId id="314" r:id="rId9"/>
+    <p:sldId id="315" r:id="rId10"/>
     <p:sldId id="305" r:id="rId11"/>
     <p:sldId id="307" r:id="rId12"/>
     <p:sldId id="308" r:id="rId13"/>
@@ -371,7 +371,7 @@
           <a:p>
             <a:fld id="{A9C80D6D-1658-4D12-BB0D-F12038F042C6}" type="slidenum">
               <a:rPr lang="ru-RU" smtClean="0"/>
-              <a:t>‹Nº›</a:t>
+              <a:t>‹#›</a:t>
             </a:fld>
             <a:endParaRPr lang="ru-RU"/>
           </a:p>
@@ -11889,7 +11889,7 @@
                 <a:latin typeface="Trebuchet MS"/>
                 <a:ea typeface="DejaVu Sans"/>
               </a:rPr>
-              <a:t> 8. Monetization Strategy</a:t>
+              <a:t> 8. Project Business Case: Monetization Strategy</a:t>
             </a:r>
             <a:endParaRPr lang="en-CA" sz="3600" b="0" strike="noStrike" spc="-1" dirty="0">
               <a:solidFill>
@@ -15401,8 +15401,8 @@
         </p:nvSpPr>
         <p:spPr>
           <a:xfrm>
-            <a:off x="1968885" y="2451958"/>
-            <a:ext cx="6137910" cy="2308324"/>
+            <a:off x="207593" y="4774740"/>
+            <a:ext cx="6137910" cy="923330"/>
           </a:xfrm>
           <a:prstGeom prst="rect">
             <a:avLst/>
@@ -15414,49 +15414,6 @@
             <a:spAutoFit/>
           </a:bodyPr>
           <a:lstStyle/>
-          <a:p>
-            <a:r>
-              <a:rPr lang="en-US" b="1" dirty="0"/>
-              <a:t>Ideal For</a:t>
-            </a:r>
-          </a:p>
-          <a:p>
-            <a:pPr>
-              <a:buFont typeface="Arial" panose="020B0604020202020204" pitchFamily="34" charset="0"/>
-              <a:buChar char="•"/>
-            </a:pPr>
-            <a:r>
-              <a:rPr lang="en-US" dirty="0"/>
-              <a:t>Gyms</a:t>
-            </a:r>
-          </a:p>
-          <a:p>
-            <a:pPr>
-              <a:buFont typeface="Arial" panose="020B0604020202020204" pitchFamily="34" charset="0"/>
-              <a:buChar char="•"/>
-            </a:pPr>
-            <a:r>
-              <a:rPr lang="en-US" dirty="0"/>
-              <a:t>Protein supplement companies</a:t>
-            </a:r>
-          </a:p>
-          <a:p>
-            <a:pPr>
-              <a:buFont typeface="Arial" panose="020B0604020202020204" pitchFamily="34" charset="0"/>
-              <a:buChar char="•"/>
-            </a:pPr>
-            <a:r>
-              <a:rPr lang="en-US" dirty="0"/>
-              <a:t>Sports brands</a:t>
-            </a:r>
-          </a:p>
-          <a:p>
-            <a:pPr>
-              <a:buFont typeface="Arial" panose="020B0604020202020204" pitchFamily="34" charset="0"/>
-              <a:buChar char="•"/>
-            </a:pPr>
-            <a:endParaRPr lang="en-US" dirty="0"/>
-          </a:p>
           <a:p>
             <a:r>
               <a:rPr lang="en-US" b="1" dirty="0"/>
@@ -15493,6 +15450,160 @@
           </a:p>
         </p:txBody>
       </p:sp>
+      <p:pic>
+        <p:nvPicPr>
+          <p:cNvPr id="3" name="Рисунок 2">
+            <a:extLst>
+              <a:ext uri="{FF2B5EF4-FFF2-40B4-BE49-F238E27FC236}">
+                <a16:creationId xmlns:a16="http://schemas.microsoft.com/office/drawing/2014/main" id="{6731465C-D0E0-813B-0FE0-C2FC7156895A}"/>
+              </a:ext>
+            </a:extLst>
+          </p:cNvPr>
+          <p:cNvPicPr>
+            <a:picLocks noChangeAspect="1"/>
+          </p:cNvPicPr>
+          <p:nvPr/>
+        </p:nvPicPr>
+        <p:blipFill>
+          <a:blip r:embed="rId2"/>
+          <a:stretch>
+            <a:fillRect/>
+          </a:stretch>
+        </p:blipFill>
+        <p:spPr>
+          <a:xfrm>
+            <a:off x="6903720" y="456480"/>
+            <a:ext cx="4791075" cy="3143250"/>
+          </a:xfrm>
+          <a:prstGeom prst="rect">
+            <a:avLst/>
+          </a:prstGeom>
+        </p:spPr>
+      </p:pic>
+      <p:pic>
+        <p:nvPicPr>
+          <p:cNvPr id="6" name="Рисунок 5">
+            <a:extLst>
+              <a:ext uri="{FF2B5EF4-FFF2-40B4-BE49-F238E27FC236}">
+                <a16:creationId xmlns:a16="http://schemas.microsoft.com/office/drawing/2014/main" id="{245A8CC6-6016-369E-E9B3-66C1A07F4090}"/>
+              </a:ext>
+            </a:extLst>
+          </p:cNvPr>
+          <p:cNvPicPr>
+            <a:picLocks noChangeAspect="1"/>
+          </p:cNvPicPr>
+          <p:nvPr/>
+        </p:nvPicPr>
+        <p:blipFill rotWithShape="1">
+          <a:blip r:embed="rId3"/>
+          <a:srcRect r="3080" b="2519"/>
+          <a:stretch/>
+        </p:blipFill>
+        <p:spPr>
+          <a:xfrm>
+            <a:off x="392483" y="1582871"/>
+            <a:ext cx="3258767" cy="2646229"/>
+          </a:xfrm>
+          <a:prstGeom prst="rect">
+            <a:avLst/>
+          </a:prstGeom>
+        </p:spPr>
+      </p:pic>
+      <p:sp>
+        <p:nvSpPr>
+          <p:cNvPr id="8" name="TextBox 7">
+            <a:extLst>
+              <a:ext uri="{FF2B5EF4-FFF2-40B4-BE49-F238E27FC236}">
+                <a16:creationId xmlns:a16="http://schemas.microsoft.com/office/drawing/2014/main" id="{3C39E48A-70F3-0D01-BCEC-56D300BE0368}"/>
+              </a:ext>
+            </a:extLst>
+          </p:cNvPr>
+          <p:cNvSpPr txBox="1"/>
+          <p:nvPr/>
+        </p:nvSpPr>
+        <p:spPr>
+          <a:xfrm>
+            <a:off x="3968220" y="1280628"/>
+            <a:ext cx="2935500" cy="1477328"/>
+          </a:xfrm>
+          <a:prstGeom prst="rect">
+            <a:avLst/>
+          </a:prstGeom>
+          <a:noFill/>
+        </p:spPr>
+        <p:txBody>
+          <a:bodyPr wrap="square">
+            <a:spAutoFit/>
+          </a:bodyPr>
+          <a:lstStyle/>
+          <a:p>
+            <a:r>
+              <a:rPr lang="en-US" b="1" dirty="0"/>
+              <a:t>Ideal For</a:t>
+            </a:r>
+          </a:p>
+          <a:p>
+            <a:pPr>
+              <a:buFont typeface="Arial" panose="020B0604020202020204" pitchFamily="34" charset="0"/>
+              <a:buChar char="•"/>
+            </a:pPr>
+            <a:r>
+              <a:rPr lang="en-US" dirty="0"/>
+              <a:t>Gyms</a:t>
+            </a:r>
+          </a:p>
+          <a:p>
+            <a:pPr>
+              <a:buFont typeface="Arial" panose="020B0604020202020204" pitchFamily="34" charset="0"/>
+              <a:buChar char="•"/>
+            </a:pPr>
+            <a:r>
+              <a:rPr lang="en-US" dirty="0"/>
+              <a:t>Protein supplement companies</a:t>
+            </a:r>
+          </a:p>
+          <a:p>
+            <a:pPr>
+              <a:buFont typeface="Arial" panose="020B0604020202020204" pitchFamily="34" charset="0"/>
+              <a:buChar char="•"/>
+            </a:pPr>
+            <a:r>
+              <a:rPr lang="en-US" dirty="0"/>
+              <a:t>Sports brands</a:t>
+            </a:r>
+          </a:p>
+        </p:txBody>
+      </p:sp>
+      <p:pic>
+        <p:nvPicPr>
+          <p:cNvPr id="10" name="Рисунок 9">
+            <a:extLst>
+              <a:ext uri="{FF2B5EF4-FFF2-40B4-BE49-F238E27FC236}">
+                <a16:creationId xmlns:a16="http://schemas.microsoft.com/office/drawing/2014/main" id="{75B49C05-EA5C-16AF-1BE4-27BF0D5D9658}"/>
+              </a:ext>
+            </a:extLst>
+          </p:cNvPr>
+          <p:cNvPicPr>
+            <a:picLocks noChangeAspect="1"/>
+          </p:cNvPicPr>
+          <p:nvPr/>
+        </p:nvPicPr>
+        <p:blipFill>
+          <a:blip r:embed="rId4"/>
+          <a:stretch>
+            <a:fillRect/>
+          </a:stretch>
+        </p:blipFill>
+        <p:spPr>
+          <a:xfrm>
+            <a:off x="6049095" y="3949855"/>
+            <a:ext cx="5591175" cy="2714625"/>
+          </a:xfrm>
+          <a:prstGeom prst="rect">
+            <a:avLst/>
+          </a:prstGeom>
+        </p:spPr>
+      </p:pic>
     </p:spTree>
   </p:cSld>
   <p:clrMapOvr>
@@ -15568,7 +15679,7 @@
                 <a:latin typeface="Trebuchet MS"/>
                 <a:ea typeface="DejaVu Sans"/>
               </a:rPr>
-              <a:t>5. Consumer Demand</a:t>
+              <a:t>5. Project Business Case: Consumer Demand</a:t>
             </a:r>
             <a:endParaRPr lang="en-CA" sz="3600" b="0" strike="noStrike" spc="-1" dirty="0">
               <a:solidFill>
@@ -15701,8 +15812,8 @@
         </p:nvSpPr>
         <p:spPr>
           <a:xfrm>
-            <a:off x="1968885" y="2451958"/>
-            <a:ext cx="6137910" cy="2031325"/>
+            <a:off x="385760" y="1248096"/>
+            <a:ext cx="5089210" cy="1200329"/>
           </a:xfrm>
           <a:prstGeom prst="rect">
             <a:avLst/>
@@ -15737,13 +15848,95 @@
               <a:t>: Increasing prioritization of health and wellness.</a:t>
             </a:r>
           </a:p>
-          <a:p>
-            <a:pPr>
-              <a:buFont typeface="Arial" panose="020B0604020202020204" pitchFamily="34" charset="0"/>
-              <a:buChar char="•"/>
-            </a:pPr>
-            <a:endParaRPr lang="en-US" dirty="0"/>
-          </a:p>
+        </p:txBody>
+      </p:sp>
+      <p:pic>
+        <p:nvPicPr>
+          <p:cNvPr id="3" name="Рисунок 2">
+            <a:extLst>
+              <a:ext uri="{FF2B5EF4-FFF2-40B4-BE49-F238E27FC236}">
+                <a16:creationId xmlns:a16="http://schemas.microsoft.com/office/drawing/2014/main" id="{E9C24FE9-AF56-F753-D100-207A14A2FA1D}"/>
+              </a:ext>
+            </a:extLst>
+          </p:cNvPr>
+          <p:cNvPicPr>
+            <a:picLocks noChangeAspect="1"/>
+          </p:cNvPicPr>
+          <p:nvPr/>
+        </p:nvPicPr>
+        <p:blipFill>
+          <a:blip r:embed="rId2"/>
+          <a:stretch>
+            <a:fillRect/>
+          </a:stretch>
+        </p:blipFill>
+        <p:spPr>
+          <a:xfrm>
+            <a:off x="5962392" y="1080000"/>
+            <a:ext cx="5934005" cy="2794725"/>
+          </a:xfrm>
+          <a:prstGeom prst="rect">
+            <a:avLst/>
+          </a:prstGeom>
+        </p:spPr>
+      </p:pic>
+      <p:pic>
+        <p:nvPicPr>
+          <p:cNvPr id="6" name="Рисунок 5">
+            <a:extLst>
+              <a:ext uri="{FF2B5EF4-FFF2-40B4-BE49-F238E27FC236}">
+                <a16:creationId xmlns:a16="http://schemas.microsoft.com/office/drawing/2014/main" id="{442D6BC7-33B2-79A8-24D7-2D2731935AFC}"/>
+              </a:ext>
+            </a:extLst>
+          </p:cNvPr>
+          <p:cNvPicPr>
+            <a:picLocks noChangeAspect="1"/>
+          </p:cNvPicPr>
+          <p:nvPr/>
+        </p:nvPicPr>
+        <p:blipFill>
+          <a:blip r:embed="rId3"/>
+          <a:stretch>
+            <a:fillRect/>
+          </a:stretch>
+        </p:blipFill>
+        <p:spPr>
+          <a:xfrm>
+            <a:off x="385760" y="3328942"/>
+            <a:ext cx="5457825" cy="3114675"/>
+          </a:xfrm>
+          <a:prstGeom prst="rect">
+            <a:avLst/>
+          </a:prstGeom>
+        </p:spPr>
+      </p:pic>
+      <p:sp>
+        <p:nvSpPr>
+          <p:cNvPr id="8" name="TextBox 7">
+            <a:extLst>
+              <a:ext uri="{FF2B5EF4-FFF2-40B4-BE49-F238E27FC236}">
+                <a16:creationId xmlns:a16="http://schemas.microsoft.com/office/drawing/2014/main" id="{E3F80563-DA73-595B-464C-ECAC77C7A0DD}"/>
+              </a:ext>
+            </a:extLst>
+          </p:cNvPr>
+          <p:cNvSpPr txBox="1"/>
+          <p:nvPr/>
+        </p:nvSpPr>
+        <p:spPr>
+          <a:xfrm>
+            <a:off x="6560820" y="4448238"/>
+            <a:ext cx="4737150" cy="646331"/>
+          </a:xfrm>
+          <a:prstGeom prst="rect">
+            <a:avLst/>
+          </a:prstGeom>
+          <a:noFill/>
+        </p:spPr>
+        <p:txBody>
+          <a:bodyPr wrap="square">
+            <a:spAutoFit/>
+          </a:bodyPr>
+          <a:lstStyle/>
           <a:p>
             <a:pPr>
               <a:buFont typeface="Arial" panose="020B0604020202020204" pitchFamily="34" charset="0"/>
@@ -15763,7 +15956,7 @@
     </p:spTree>
     <p:extLst>
       <p:ext uri="{BB962C8B-B14F-4D97-AF65-F5344CB8AC3E}">
-        <p14:creationId xmlns:p14="http://schemas.microsoft.com/office/powerpoint/2010/main" val="2391594671"/>
+        <p14:creationId xmlns:p14="http://schemas.microsoft.com/office/powerpoint/2010/main" val="2958899086"/>
       </p:ext>
     </p:extLst>
   </p:cSld>
@@ -15840,7 +16033,7 @@
                 <a:latin typeface="Trebuchet MS"/>
                 <a:ea typeface="DejaVu Sans"/>
               </a:rPr>
-              <a:t>6. Target Audience</a:t>
+              <a:t>6. Project Business Case: Target Audience</a:t>
             </a:r>
             <a:endParaRPr lang="en-CA" sz="3600" b="0" strike="noStrike" spc="-1" dirty="0">
               <a:solidFill>
@@ -16119,7 +16312,7 @@
                 <a:latin typeface="Trebuchet MS"/>
                 <a:ea typeface="DejaVu Sans"/>
               </a:rPr>
-              <a:t> 7. Competitive Advantage</a:t>
+              <a:t> 7. Project Business Case: Competitive Advantage</a:t>
             </a:r>
             <a:endParaRPr lang="en-CA" sz="3600" b="0" strike="noStrike" spc="-1" dirty="0">
               <a:solidFill>
